--- a/Tableau/September 20_Workshop/Data Visualizatin with Tableau - Level 1.pptx
+++ b/Tableau/September 20_Workshop/Data Visualizatin with Tableau - Level 1.pptx
@@ -5,7 +5,7 @@
     <p:sldMasterId id="2147483659" r:id="rId1"/>
   </p:sldMasterIdLst>
   <p:notesMasterIdLst>
-    <p:notesMasterId r:id="rId53"/>
+    <p:notesMasterId r:id="rId52"/>
   </p:notesMasterIdLst>
   <p:sldIdLst>
     <p:sldId id="256" r:id="rId2"/>
@@ -50,30 +50,29 @@
     <p:sldId id="286" r:id="rId41"/>
     <p:sldId id="287" r:id="rId42"/>
     <p:sldId id="288" r:id="rId43"/>
-    <p:sldId id="311" r:id="rId44"/>
-    <p:sldId id="289" r:id="rId45"/>
-    <p:sldId id="290" r:id="rId46"/>
-    <p:sldId id="291" r:id="rId47"/>
-    <p:sldId id="292" r:id="rId48"/>
-    <p:sldId id="293" r:id="rId49"/>
-    <p:sldId id="294" r:id="rId50"/>
-    <p:sldId id="295" r:id="rId51"/>
-    <p:sldId id="296" r:id="rId52"/>
+    <p:sldId id="289" r:id="rId44"/>
+    <p:sldId id="290" r:id="rId45"/>
+    <p:sldId id="291" r:id="rId46"/>
+    <p:sldId id="292" r:id="rId47"/>
+    <p:sldId id="293" r:id="rId48"/>
+    <p:sldId id="294" r:id="rId49"/>
+    <p:sldId id="295" r:id="rId50"/>
+    <p:sldId id="296" r:id="rId51"/>
   </p:sldIdLst>
   <p:sldSz cx="9144000" cy="5143500" type="screen16x9"/>
   <p:notesSz cx="6858000" cy="9144000"/>
   <p:embeddedFontLst>
     <p:embeddedFont>
-      <p:font typeface="Maven Pro" panose="020B0604020202020204" charset="0"/>
-      <p:regular r:id="rId54"/>
-      <p:bold r:id="rId55"/>
+      <p:font typeface="Nunito" panose="020B0604020202020204" charset="0"/>
+      <p:regular r:id="rId53"/>
+      <p:bold r:id="rId54"/>
+      <p:italic r:id="rId55"/>
+      <p:boldItalic r:id="rId56"/>
     </p:embeddedFont>
     <p:embeddedFont>
-      <p:font typeface="Nunito" panose="020B0604020202020204" charset="0"/>
-      <p:regular r:id="rId56"/>
-      <p:bold r:id="rId57"/>
-      <p:italic r:id="rId58"/>
-      <p:boldItalic r:id="rId59"/>
+      <p:font typeface="Maven Pro" panose="020B0604020202020204" charset="0"/>
+      <p:regular r:id="rId57"/>
+      <p:bold r:id="rId58"/>
     </p:embeddedFont>
   </p:embeddedFontLst>
   <p:defaultTextStyle>
@@ -24413,116 +24412,6 @@
   <p:cSld>
     <p:spTree>
       <p:nvGrpSpPr>
-        <p:cNvPr id="1" name=""/>
-        <p:cNvGrpSpPr/>
-        <p:nvPr/>
-      </p:nvGrpSpPr>
-      <p:grpSpPr>
-        <a:xfrm>
-          <a:off x="0" y="0"/>
-          <a:ext cx="0" cy="0"/>
-          <a:chOff x="0" y="0"/>
-          <a:chExt cx="0" cy="0"/>
-        </a:xfrm>
-      </p:grpSpPr>
-      <p:sp>
-        <p:nvSpPr>
-          <p:cNvPr id="2" name="Title 1">
-            <a:extLst>
-              <a:ext uri="{FF2B5EF4-FFF2-40B4-BE49-F238E27FC236}">
-                <a16:creationId xmlns:a16="http://schemas.microsoft.com/office/drawing/2014/main" id="{ECBB6296-0EA8-E64D-AF08-ECF84829BD72}"/>
-              </a:ext>
-            </a:extLst>
-          </p:cNvPr>
-          <p:cNvSpPr>
-            <a:spLocks noGrp="1"/>
-          </p:cNvSpPr>
-          <p:nvPr>
-            <p:ph type="title"/>
-          </p:nvPr>
-        </p:nvSpPr>
-        <p:spPr/>
-        <p:txBody>
-          <a:bodyPr/>
-          <a:lstStyle/>
-          <a:p>
-            <a:r>
-              <a:rPr lang="en" b="1" dirty="0">
-                <a:solidFill>
-                  <a:schemeClr val="dk2"/>
-                </a:solidFill>
-                <a:latin typeface="Maven Pro"/>
-                <a:ea typeface="Maven Pro"/>
-                <a:cs typeface="Maven Pro"/>
-                <a:sym typeface="Maven Pro"/>
-              </a:rPr>
-              <a:t>Action</a:t>
-            </a:r>
-            <a:endParaRPr lang="en-US" dirty="0"/>
-          </a:p>
-        </p:txBody>
-      </p:sp>
-      <p:sp>
-        <p:nvSpPr>
-          <p:cNvPr id="3" name="Text Placeholder 2">
-            <a:extLst>
-              <a:ext uri="{FF2B5EF4-FFF2-40B4-BE49-F238E27FC236}">
-                <a16:creationId xmlns:a16="http://schemas.microsoft.com/office/drawing/2014/main" id="{D368FE65-AFBD-4441-A173-7D291FA257CB}"/>
-              </a:ext>
-            </a:extLst>
-          </p:cNvPr>
-          <p:cNvSpPr>
-            <a:spLocks noGrp="1"/>
-          </p:cNvSpPr>
-          <p:nvPr>
-            <p:ph type="body" idx="1"/>
-          </p:nvPr>
-        </p:nvSpPr>
-        <p:spPr/>
-        <p:txBody>
-          <a:bodyPr/>
-          <a:lstStyle/>
-          <a:p>
-            <a:r>
-              <a:rPr lang="en-US" dirty="0"/>
-              <a:t>Create a dashboard using your worksheets</a:t>
-            </a:r>
-          </a:p>
-          <a:p>
-            <a:r>
-              <a:rPr lang="en-US" dirty="0"/>
-              <a:t>Share it on the Tableau Public</a:t>
-            </a:r>
-          </a:p>
-          <a:p>
-            <a:r>
-              <a:rPr lang="en-US" dirty="0"/>
-              <a:t>Show the visualization to the instructors</a:t>
-            </a:r>
-          </a:p>
-          <a:p>
-            <a:endParaRPr lang="en-US" dirty="0"/>
-          </a:p>
-        </p:txBody>
-      </p:sp>
-    </p:spTree>
-    <p:extLst>
-      <p:ext uri="{BB962C8B-B14F-4D97-AF65-F5344CB8AC3E}">
-        <p14:creationId xmlns:p14="http://schemas.microsoft.com/office/powerpoint/2010/main" val="2073281805"/>
-      </p:ext>
-    </p:extLst>
-  </p:cSld>
-  <p:clrMapOvr>
-    <a:masterClrMapping/>
-  </p:clrMapOvr>
-</p:sld>
-</file>
-
-<file path=ppt/slides/slide44.xml><?xml version="1.0" encoding="utf-8"?>
-<p:sld xmlns:a="http://schemas.openxmlformats.org/drawingml/2006/main" xmlns:r="http://schemas.openxmlformats.org/officeDocument/2006/relationships" xmlns:p="http://schemas.openxmlformats.org/presentationml/2006/main">
-  <p:cSld>
-    <p:spTree>
-      <p:nvGrpSpPr>
         <p:cNvPr id="1" name="Shape 252"/>
         <p:cNvGrpSpPr/>
         <p:nvPr/>
@@ -24761,7 +24650,7 @@
 </p:sld>
 </file>
 
-<file path=ppt/slides/slide45.xml><?xml version="1.0" encoding="utf-8"?>
+<file path=ppt/slides/slide44.xml><?xml version="1.0" encoding="utf-8"?>
 <p:sld xmlns:a="http://schemas.openxmlformats.org/drawingml/2006/main" xmlns:r="http://schemas.openxmlformats.org/officeDocument/2006/relationships" xmlns:p="http://schemas.openxmlformats.org/presentationml/2006/main" show="0">
   <p:cSld>
     <p:spTree>
@@ -24864,7 +24753,7 @@
 </p:sld>
 </file>
 
-<file path=ppt/slides/slide46.xml><?xml version="1.0" encoding="utf-8"?>
+<file path=ppt/slides/slide45.xml><?xml version="1.0" encoding="utf-8"?>
 <p:sld xmlns:a="http://schemas.openxmlformats.org/drawingml/2006/main" xmlns:r="http://schemas.openxmlformats.org/officeDocument/2006/relationships" xmlns:p="http://schemas.openxmlformats.org/presentationml/2006/main" show="0">
   <p:cSld>
     <p:spTree>
@@ -25345,7 +25234,7 @@
 </p:sld>
 </file>
 
-<file path=ppt/slides/slide47.xml><?xml version="1.0" encoding="utf-8"?>
+<file path=ppt/slides/slide46.xml><?xml version="1.0" encoding="utf-8"?>
 <p:sld xmlns:a="http://schemas.openxmlformats.org/drawingml/2006/main" xmlns:r="http://schemas.openxmlformats.org/officeDocument/2006/relationships" xmlns:p="http://schemas.openxmlformats.org/presentationml/2006/main" show="0">
   <p:cSld>
     <p:spTree>
@@ -25859,7 +25748,7 @@
 </p:sld>
 </file>
 
-<file path=ppt/slides/slide48.xml><?xml version="1.0" encoding="utf-8"?>
+<file path=ppt/slides/slide47.xml><?xml version="1.0" encoding="utf-8"?>
 <p:sld xmlns:a="http://schemas.openxmlformats.org/drawingml/2006/main" xmlns:r="http://schemas.openxmlformats.org/officeDocument/2006/relationships" xmlns:p="http://schemas.openxmlformats.org/presentationml/2006/main">
   <p:cSld>
     <p:spTree>
@@ -25954,7 +25843,7 @@
 </p:sld>
 </file>
 
-<file path=ppt/slides/slide49.xml><?xml version="1.0" encoding="utf-8"?>
+<file path=ppt/slides/slide48.xml><?xml version="1.0" encoding="utf-8"?>
 <p:sld xmlns:a="http://schemas.openxmlformats.org/drawingml/2006/main" xmlns:r="http://schemas.openxmlformats.org/officeDocument/2006/relationships" xmlns:p="http://schemas.openxmlformats.org/presentationml/2006/main">
   <p:cSld>
     <p:spTree>
@@ -26338,6 +26227,581 @@
                 <a:sym typeface="Nunito"/>
               </a:rPr>
               <a:t>Forecasting / Trend Lines / Regression</a:t>
+            </a:r>
+            <a:endParaRPr sz="2000" b="0" i="0" u="none" strike="noStrike" cap="none">
+              <a:solidFill>
+                <a:schemeClr val="dk2"/>
+              </a:solidFill>
+              <a:latin typeface="Nunito"/>
+              <a:ea typeface="Nunito"/>
+              <a:cs typeface="Nunito"/>
+              <a:sym typeface="Nunito"/>
+            </a:endParaRPr>
+          </a:p>
+        </p:txBody>
+      </p:sp>
+    </p:spTree>
+  </p:cSld>
+  <p:clrMapOvr>
+    <a:masterClrMapping/>
+  </p:clrMapOvr>
+</p:sld>
+</file>
+
+<file path=ppt/slides/slide49.xml><?xml version="1.0" encoding="utf-8"?>
+<p:sld xmlns:a="http://schemas.openxmlformats.org/drawingml/2006/main" xmlns:r="http://schemas.openxmlformats.org/officeDocument/2006/relationships" xmlns:p="http://schemas.openxmlformats.org/presentationml/2006/main">
+  <p:cSld>
+    <p:spTree>
+      <p:nvGrpSpPr>
+        <p:cNvPr id="1" name="Shape 286"/>
+        <p:cNvGrpSpPr/>
+        <p:nvPr/>
+      </p:nvGrpSpPr>
+      <p:grpSpPr>
+        <a:xfrm>
+          <a:off x="0" y="0"/>
+          <a:ext cx="0" cy="0"/>
+          <a:chOff x="0" y="0"/>
+          <a:chExt cx="0" cy="0"/>
+        </a:xfrm>
+      </p:grpSpPr>
+      <p:sp>
+        <p:nvSpPr>
+          <p:cNvPr id="287" name="Google Shape;287;p52"/>
+          <p:cNvSpPr txBox="1">
+            <a:spLocks noGrp="1"/>
+          </p:cNvSpPr>
+          <p:nvPr>
+            <p:ph type="title"/>
+          </p:nvPr>
+        </p:nvSpPr>
+        <p:spPr>
+          <a:xfrm>
+            <a:off x="311700" y="445025"/>
+            <a:ext cx="8520600" cy="572700"/>
+          </a:xfrm>
+          <a:prstGeom prst="rect">
+            <a:avLst/>
+          </a:prstGeom>
+          <a:noFill/>
+          <a:ln>
+            <a:noFill/>
+          </a:ln>
+        </p:spPr>
+        <p:txBody>
+          <a:bodyPr spcFirstLastPara="1" wrap="square" lIns="91425" tIns="91425" rIns="91425" bIns="91425" anchor="t" anchorCtr="0">
+            <a:noAutofit/>
+          </a:bodyPr>
+          <a:lstStyle/>
+          <a:p>
+            <a:pPr marL="0" marR="0" lvl="0" indent="0" algn="l" rtl="0">
+              <a:lnSpc>
+                <a:spcPct val="100000"/>
+              </a:lnSpc>
+              <a:spcBef>
+                <a:spcPts val="0"/>
+              </a:spcBef>
+              <a:spcAft>
+                <a:spcPts val="0"/>
+              </a:spcAft>
+              <a:buClr>
+                <a:schemeClr val="dk2"/>
+              </a:buClr>
+              <a:buSzPts val="2800"/>
+              <a:buFont typeface="Maven Pro"/>
+              <a:buNone/>
+            </a:pPr>
+            <a:r>
+              <a:rPr lang="en" sz="2800" b="1" i="0" u="none" strike="noStrike" cap="none">
+                <a:solidFill>
+                  <a:schemeClr val="dk2"/>
+                </a:solidFill>
+                <a:latin typeface="Maven Pro"/>
+                <a:ea typeface="Maven Pro"/>
+                <a:cs typeface="Maven Pro"/>
+                <a:sym typeface="Maven Pro"/>
+              </a:rPr>
+              <a:t>Further Learning: Resources</a:t>
+            </a:r>
+            <a:endParaRPr sz="2800" b="1" i="0" u="none" strike="noStrike" cap="none">
+              <a:solidFill>
+                <a:schemeClr val="dk2"/>
+              </a:solidFill>
+              <a:latin typeface="Maven Pro"/>
+              <a:ea typeface="Maven Pro"/>
+              <a:cs typeface="Maven Pro"/>
+              <a:sym typeface="Maven Pro"/>
+            </a:endParaRPr>
+          </a:p>
+        </p:txBody>
+      </p:sp>
+      <p:sp>
+        <p:nvSpPr>
+          <p:cNvPr id="288" name="Google Shape;288;p52"/>
+          <p:cNvSpPr txBox="1">
+            <a:spLocks noGrp="1"/>
+          </p:cNvSpPr>
+          <p:nvPr>
+            <p:ph type="body" idx="1"/>
+          </p:nvPr>
+        </p:nvSpPr>
+        <p:spPr>
+          <a:xfrm>
+            <a:off x="610375" y="1092525"/>
+            <a:ext cx="8031000" cy="3916200"/>
+          </a:xfrm>
+          <a:prstGeom prst="rect">
+            <a:avLst/>
+          </a:prstGeom>
+          <a:noFill/>
+          <a:ln>
+            <a:noFill/>
+          </a:ln>
+        </p:spPr>
+        <p:txBody>
+          <a:bodyPr spcFirstLastPara="1" wrap="square" lIns="91425" tIns="91425" rIns="91425" bIns="91425" anchor="t" anchorCtr="0">
+            <a:noAutofit/>
+          </a:bodyPr>
+          <a:lstStyle/>
+          <a:p>
+            <a:pPr marL="457200" marR="0" lvl="0" indent="-355600" algn="l" rtl="0">
+              <a:lnSpc>
+                <a:spcPct val="115000"/>
+              </a:lnSpc>
+              <a:spcBef>
+                <a:spcPts val="0"/>
+              </a:spcBef>
+              <a:spcAft>
+                <a:spcPts val="0"/>
+              </a:spcAft>
+              <a:buClr>
+                <a:schemeClr val="dk2"/>
+              </a:buClr>
+              <a:buSzPts val="2000"/>
+              <a:buFont typeface="Nunito"/>
+              <a:buChar char="●"/>
+            </a:pPr>
+            <a:r>
+              <a:rPr lang="en" sz="2000" b="0" i="0" u="none" strike="noStrike" cap="none">
+                <a:solidFill>
+                  <a:schemeClr val="dk2"/>
+                </a:solidFill>
+                <a:latin typeface="Nunito"/>
+                <a:ea typeface="Nunito"/>
+                <a:cs typeface="Nunito"/>
+                <a:sym typeface="Nunito"/>
+              </a:rPr>
+              <a:t>Learning Resources:</a:t>
+            </a:r>
+            <a:endParaRPr sz="2000" b="0" i="0" u="none" strike="noStrike" cap="none">
+              <a:solidFill>
+                <a:schemeClr val="dk2"/>
+              </a:solidFill>
+              <a:latin typeface="Nunito"/>
+              <a:ea typeface="Nunito"/>
+              <a:cs typeface="Nunito"/>
+              <a:sym typeface="Nunito"/>
+            </a:endParaRPr>
+          </a:p>
+          <a:p>
+            <a:pPr marL="914400" marR="0" lvl="1" indent="-355600" algn="l" rtl="0">
+              <a:lnSpc>
+                <a:spcPct val="115000"/>
+              </a:lnSpc>
+              <a:spcBef>
+                <a:spcPts val="0"/>
+              </a:spcBef>
+              <a:spcAft>
+                <a:spcPts val="0"/>
+              </a:spcAft>
+              <a:buClr>
+                <a:schemeClr val="dk2"/>
+              </a:buClr>
+              <a:buSzPts val="2000"/>
+              <a:buFont typeface="Nunito"/>
+              <a:buChar char="○"/>
+            </a:pPr>
+            <a:r>
+              <a:rPr lang="en" sz="2000" b="0" i="0" u="none" strike="noStrike" cap="none">
+                <a:solidFill>
+                  <a:schemeClr val="dk2"/>
+                </a:solidFill>
+                <a:latin typeface="Nunito"/>
+                <a:ea typeface="Nunito"/>
+                <a:cs typeface="Nunito"/>
+                <a:sym typeface="Nunito"/>
+              </a:rPr>
+              <a:t>Tableau.com/learn</a:t>
+            </a:r>
+            <a:endParaRPr sz="2000" b="0" i="0" u="none" strike="noStrike" cap="none">
+              <a:solidFill>
+                <a:schemeClr val="dk2"/>
+              </a:solidFill>
+              <a:latin typeface="Nunito"/>
+              <a:ea typeface="Nunito"/>
+              <a:cs typeface="Nunito"/>
+              <a:sym typeface="Nunito"/>
+            </a:endParaRPr>
+          </a:p>
+          <a:p>
+            <a:pPr marL="914400" marR="0" lvl="1" indent="-355600" algn="l" rtl="0">
+              <a:lnSpc>
+                <a:spcPct val="115000"/>
+              </a:lnSpc>
+              <a:spcBef>
+                <a:spcPts val="0"/>
+              </a:spcBef>
+              <a:spcAft>
+                <a:spcPts val="0"/>
+              </a:spcAft>
+              <a:buClr>
+                <a:schemeClr val="dk2"/>
+              </a:buClr>
+              <a:buSzPts val="2000"/>
+              <a:buFont typeface="Nunito"/>
+              <a:buChar char="○"/>
+            </a:pPr>
+            <a:r>
+              <a:rPr lang="en" sz="2000" b="0" i="0" u="none" strike="noStrike" cap="none">
+                <a:solidFill>
+                  <a:schemeClr val="dk2"/>
+                </a:solidFill>
+                <a:latin typeface="Nunito"/>
+                <a:ea typeface="Nunito"/>
+                <a:cs typeface="Nunito"/>
+                <a:sym typeface="Nunito"/>
+              </a:rPr>
+              <a:t>Explore Tableau Public</a:t>
+            </a:r>
+            <a:endParaRPr sz="2000" b="0" i="0" u="none" strike="noStrike" cap="none">
+              <a:solidFill>
+                <a:schemeClr val="dk2"/>
+              </a:solidFill>
+              <a:latin typeface="Nunito"/>
+              <a:ea typeface="Nunito"/>
+              <a:cs typeface="Nunito"/>
+              <a:sym typeface="Nunito"/>
+            </a:endParaRPr>
+          </a:p>
+          <a:p>
+            <a:pPr marL="914400" marR="0" lvl="1" indent="-355600" algn="l" rtl="0">
+              <a:lnSpc>
+                <a:spcPct val="115000"/>
+              </a:lnSpc>
+              <a:spcBef>
+                <a:spcPts val="0"/>
+              </a:spcBef>
+              <a:spcAft>
+                <a:spcPts val="0"/>
+              </a:spcAft>
+              <a:buClr>
+                <a:schemeClr val="dk2"/>
+              </a:buClr>
+              <a:buSzPts val="2000"/>
+              <a:buFont typeface="Nunito"/>
+              <a:buChar char="○"/>
+            </a:pPr>
+            <a:r>
+              <a:rPr lang="en" sz="2000" b="0" i="0" u="none" strike="noStrike" cap="none">
+                <a:solidFill>
+                  <a:schemeClr val="dk2"/>
+                </a:solidFill>
+                <a:latin typeface="Nunito"/>
+                <a:ea typeface="Nunito"/>
+                <a:cs typeface="Nunito"/>
+                <a:sym typeface="Nunito"/>
+              </a:rPr>
+              <a:t>Tutorialspoint</a:t>
+            </a:r>
+            <a:endParaRPr sz="2000" b="0" i="0" u="none" strike="noStrike" cap="none">
+              <a:solidFill>
+                <a:schemeClr val="dk2"/>
+              </a:solidFill>
+              <a:latin typeface="Nunito"/>
+              <a:ea typeface="Nunito"/>
+              <a:cs typeface="Nunito"/>
+              <a:sym typeface="Nunito"/>
+            </a:endParaRPr>
+          </a:p>
+          <a:p>
+            <a:pPr marL="914400" marR="0" lvl="1" indent="-355600" algn="l" rtl="0">
+              <a:lnSpc>
+                <a:spcPct val="115000"/>
+              </a:lnSpc>
+              <a:spcBef>
+                <a:spcPts val="0"/>
+              </a:spcBef>
+              <a:spcAft>
+                <a:spcPts val="0"/>
+              </a:spcAft>
+              <a:buClr>
+                <a:schemeClr val="dk2"/>
+              </a:buClr>
+              <a:buSzPts val="2000"/>
+              <a:buFont typeface="Nunito"/>
+              <a:buChar char="○"/>
+            </a:pPr>
+            <a:r>
+              <a:rPr lang="en" sz="2000" b="0" i="0" u="none" strike="noStrike" cap="none">
+                <a:solidFill>
+                  <a:schemeClr val="dk2"/>
+                </a:solidFill>
+                <a:latin typeface="Nunito"/>
+                <a:ea typeface="Nunito"/>
+                <a:cs typeface="Nunito"/>
+                <a:sym typeface="Nunito"/>
+              </a:rPr>
+              <a:t>YouTube / Blog Posts</a:t>
+            </a:r>
+            <a:endParaRPr sz="2000" b="0" i="0" u="none" strike="noStrike" cap="none">
+              <a:solidFill>
+                <a:schemeClr val="dk2"/>
+              </a:solidFill>
+              <a:latin typeface="Nunito"/>
+              <a:ea typeface="Nunito"/>
+              <a:cs typeface="Nunito"/>
+              <a:sym typeface="Nunito"/>
+            </a:endParaRPr>
+          </a:p>
+          <a:p>
+            <a:pPr marL="457200" marR="0" lvl="0" indent="-355600" algn="l" rtl="0">
+              <a:lnSpc>
+                <a:spcPct val="115000"/>
+              </a:lnSpc>
+              <a:spcBef>
+                <a:spcPts val="0"/>
+              </a:spcBef>
+              <a:spcAft>
+                <a:spcPts val="0"/>
+              </a:spcAft>
+              <a:buClr>
+                <a:schemeClr val="dk2"/>
+              </a:buClr>
+              <a:buSzPts val="2000"/>
+              <a:buFont typeface="Nunito"/>
+              <a:buChar char="●"/>
+            </a:pPr>
+            <a:r>
+              <a:rPr lang="en" sz="2000" b="0" i="0" u="none" strike="noStrike" cap="none">
+                <a:solidFill>
+                  <a:schemeClr val="dk2"/>
+                </a:solidFill>
+                <a:latin typeface="Nunito"/>
+                <a:ea typeface="Nunito"/>
+                <a:cs typeface="Nunito"/>
+                <a:sym typeface="Nunito"/>
+              </a:rPr>
+              <a:t>Data Sources:</a:t>
+            </a:r>
+            <a:endParaRPr sz="2000" b="0" i="0" u="none" strike="noStrike" cap="none">
+              <a:solidFill>
+                <a:schemeClr val="dk2"/>
+              </a:solidFill>
+              <a:latin typeface="Nunito"/>
+              <a:ea typeface="Nunito"/>
+              <a:cs typeface="Nunito"/>
+              <a:sym typeface="Nunito"/>
+            </a:endParaRPr>
+          </a:p>
+          <a:p>
+            <a:pPr marL="914400" marR="0" lvl="1" indent="-355600" algn="l" rtl="0">
+              <a:lnSpc>
+                <a:spcPct val="115000"/>
+              </a:lnSpc>
+              <a:spcBef>
+                <a:spcPts val="0"/>
+              </a:spcBef>
+              <a:spcAft>
+                <a:spcPts val="0"/>
+              </a:spcAft>
+              <a:buClr>
+                <a:schemeClr val="dk2"/>
+              </a:buClr>
+              <a:buSzPts val="2000"/>
+              <a:buFont typeface="Nunito"/>
+              <a:buChar char="○"/>
+            </a:pPr>
+            <a:r>
+              <a:rPr lang="en" sz="2000" b="0" i="0" u="none" strike="noStrike" cap="none">
+                <a:solidFill>
+                  <a:schemeClr val="dk2"/>
+                </a:solidFill>
+                <a:latin typeface="Nunito"/>
+                <a:ea typeface="Nunito"/>
+                <a:cs typeface="Nunito"/>
+                <a:sym typeface="Nunito"/>
+              </a:rPr>
+              <a:t>Kaggle</a:t>
+            </a:r>
+            <a:endParaRPr sz="2000" b="0" i="0" u="none" strike="noStrike" cap="none">
+              <a:solidFill>
+                <a:schemeClr val="dk2"/>
+              </a:solidFill>
+              <a:latin typeface="Nunito"/>
+              <a:ea typeface="Nunito"/>
+              <a:cs typeface="Nunito"/>
+              <a:sym typeface="Nunito"/>
+            </a:endParaRPr>
+          </a:p>
+          <a:p>
+            <a:pPr marL="914400" marR="0" lvl="1" indent="-355600" algn="l" rtl="0">
+              <a:lnSpc>
+                <a:spcPct val="115000"/>
+              </a:lnSpc>
+              <a:spcBef>
+                <a:spcPts val="0"/>
+              </a:spcBef>
+              <a:spcAft>
+                <a:spcPts val="0"/>
+              </a:spcAft>
+              <a:buClr>
+                <a:schemeClr val="dk2"/>
+              </a:buClr>
+              <a:buSzPts val="2000"/>
+              <a:buFont typeface="Nunito"/>
+              <a:buChar char="○"/>
+            </a:pPr>
+            <a:r>
+              <a:rPr lang="en" sz="2000" b="0" i="0" u="none" strike="noStrike" cap="none">
+                <a:solidFill>
+                  <a:schemeClr val="dk2"/>
+                </a:solidFill>
+                <a:latin typeface="Nunito"/>
+                <a:ea typeface="Nunito"/>
+                <a:cs typeface="Nunito"/>
+                <a:sym typeface="Nunito"/>
+              </a:rPr>
+              <a:t>Data.gov</a:t>
+            </a:r>
+            <a:endParaRPr sz="2000">
+              <a:latin typeface="Nunito"/>
+              <a:ea typeface="Nunito"/>
+              <a:cs typeface="Nunito"/>
+              <a:sym typeface="Nunito"/>
+            </a:endParaRPr>
+          </a:p>
+          <a:p>
+            <a:pPr marL="914400" marR="0" lvl="1" indent="-355600" algn="l" rtl="0">
+              <a:lnSpc>
+                <a:spcPct val="115000"/>
+              </a:lnSpc>
+              <a:spcBef>
+                <a:spcPts val="0"/>
+              </a:spcBef>
+              <a:spcAft>
+                <a:spcPts val="0"/>
+              </a:spcAft>
+              <a:buClr>
+                <a:schemeClr val="dk2"/>
+              </a:buClr>
+              <a:buSzPts val="2000"/>
+              <a:buFont typeface="Nunito"/>
+              <a:buChar char="○"/>
+            </a:pPr>
+            <a:r>
+              <a:rPr lang="en" sz="2000" b="0" i="0" u="none" strike="noStrike" cap="none">
+                <a:solidFill>
+                  <a:schemeClr val="dk2"/>
+                </a:solidFill>
+                <a:latin typeface="Nunito"/>
+                <a:ea typeface="Nunito"/>
+                <a:cs typeface="Nunito"/>
+                <a:sym typeface="Nunito"/>
+              </a:rPr>
+              <a:t>Data.world</a:t>
+            </a:r>
+            <a:endParaRPr sz="2000" b="0" i="0" u="none" strike="noStrike" cap="none">
+              <a:solidFill>
+                <a:schemeClr val="dk2"/>
+              </a:solidFill>
+              <a:latin typeface="Nunito"/>
+              <a:ea typeface="Nunito"/>
+              <a:cs typeface="Nunito"/>
+              <a:sym typeface="Nunito"/>
+            </a:endParaRPr>
+          </a:p>
+          <a:p>
+            <a:pPr marL="914400" lvl="1" indent="-355600" algn="l" rtl="0">
+              <a:spcBef>
+                <a:spcPts val="0"/>
+              </a:spcBef>
+              <a:spcAft>
+                <a:spcPts val="0"/>
+              </a:spcAft>
+              <a:buClr>
+                <a:schemeClr val="dk2"/>
+              </a:buClr>
+              <a:buSzPts val="2000"/>
+              <a:buFont typeface="Nunito"/>
+              <a:buChar char="○"/>
+            </a:pPr>
+            <a:r>
+              <a:rPr lang="en" sz="2000">
+                <a:latin typeface="Nunito"/>
+                <a:ea typeface="Nunito"/>
+                <a:cs typeface="Nunito"/>
+                <a:sym typeface="Nunito"/>
+              </a:rPr>
+              <a:t>Los Angeles Open Data (</a:t>
+            </a:r>
+            <a:r>
+              <a:rPr lang="en" sz="2000" u="sng">
+                <a:solidFill>
+                  <a:schemeClr val="hlink"/>
+                </a:solidFill>
+                <a:latin typeface="Nunito"/>
+                <a:ea typeface="Nunito"/>
+                <a:cs typeface="Nunito"/>
+                <a:sym typeface="Nunito"/>
+                <a:hlinkClick r:id="rId3"/>
+              </a:rPr>
+              <a:t>https://data.lacity.org</a:t>
+            </a:r>
+            <a:r>
+              <a:rPr lang="en" sz="2000">
+                <a:latin typeface="Nunito"/>
+                <a:ea typeface="Nunito"/>
+                <a:cs typeface="Nunito"/>
+                <a:sym typeface="Nunito"/>
+              </a:rPr>
+              <a:t> )</a:t>
+            </a:r>
+            <a:endParaRPr sz="2000">
+              <a:latin typeface="Nunito"/>
+              <a:ea typeface="Nunito"/>
+              <a:cs typeface="Nunito"/>
+              <a:sym typeface="Nunito"/>
+            </a:endParaRPr>
+          </a:p>
+          <a:p>
+            <a:pPr marL="914400" marR="0" lvl="1" indent="-355600" algn="l" rtl="0">
+              <a:lnSpc>
+                <a:spcPct val="115000"/>
+              </a:lnSpc>
+              <a:spcBef>
+                <a:spcPts val="0"/>
+              </a:spcBef>
+              <a:spcAft>
+                <a:spcPts val="0"/>
+              </a:spcAft>
+              <a:buClr>
+                <a:schemeClr val="dk2"/>
+              </a:buClr>
+              <a:buSzPts val="2000"/>
+              <a:buFont typeface="Nunito"/>
+              <a:buChar char="○"/>
+            </a:pPr>
+            <a:r>
+              <a:rPr lang="en" sz="2000" b="0" i="0" u="none" strike="noStrike" cap="none">
+                <a:solidFill>
+                  <a:schemeClr val="dk2"/>
+                </a:solidFill>
+                <a:latin typeface="Nunito"/>
+                <a:ea typeface="Nunito"/>
+                <a:cs typeface="Nunito"/>
+                <a:sym typeface="Nunito"/>
+              </a:rPr>
+              <a:t>UCI Machine Learning Repository</a:t>
             </a:r>
             <a:endParaRPr sz="2000" b="0" i="0" u="none" strike="noStrike" cap="none">
               <a:solidFill>
@@ -26422,581 +26886,6 @@
 </file>
 
 <file path=ppt/slides/slide50.xml><?xml version="1.0" encoding="utf-8"?>
-<p:sld xmlns:a="http://schemas.openxmlformats.org/drawingml/2006/main" xmlns:r="http://schemas.openxmlformats.org/officeDocument/2006/relationships" xmlns:p="http://schemas.openxmlformats.org/presentationml/2006/main">
-  <p:cSld>
-    <p:spTree>
-      <p:nvGrpSpPr>
-        <p:cNvPr id="1" name="Shape 286"/>
-        <p:cNvGrpSpPr/>
-        <p:nvPr/>
-      </p:nvGrpSpPr>
-      <p:grpSpPr>
-        <a:xfrm>
-          <a:off x="0" y="0"/>
-          <a:ext cx="0" cy="0"/>
-          <a:chOff x="0" y="0"/>
-          <a:chExt cx="0" cy="0"/>
-        </a:xfrm>
-      </p:grpSpPr>
-      <p:sp>
-        <p:nvSpPr>
-          <p:cNvPr id="287" name="Google Shape;287;p52"/>
-          <p:cNvSpPr txBox="1">
-            <a:spLocks noGrp="1"/>
-          </p:cNvSpPr>
-          <p:nvPr>
-            <p:ph type="title"/>
-          </p:nvPr>
-        </p:nvSpPr>
-        <p:spPr>
-          <a:xfrm>
-            <a:off x="311700" y="445025"/>
-            <a:ext cx="8520600" cy="572700"/>
-          </a:xfrm>
-          <a:prstGeom prst="rect">
-            <a:avLst/>
-          </a:prstGeom>
-          <a:noFill/>
-          <a:ln>
-            <a:noFill/>
-          </a:ln>
-        </p:spPr>
-        <p:txBody>
-          <a:bodyPr spcFirstLastPara="1" wrap="square" lIns="91425" tIns="91425" rIns="91425" bIns="91425" anchor="t" anchorCtr="0">
-            <a:noAutofit/>
-          </a:bodyPr>
-          <a:lstStyle/>
-          <a:p>
-            <a:pPr marL="0" marR="0" lvl="0" indent="0" algn="l" rtl="0">
-              <a:lnSpc>
-                <a:spcPct val="100000"/>
-              </a:lnSpc>
-              <a:spcBef>
-                <a:spcPts val="0"/>
-              </a:spcBef>
-              <a:spcAft>
-                <a:spcPts val="0"/>
-              </a:spcAft>
-              <a:buClr>
-                <a:schemeClr val="dk2"/>
-              </a:buClr>
-              <a:buSzPts val="2800"/>
-              <a:buFont typeface="Maven Pro"/>
-              <a:buNone/>
-            </a:pPr>
-            <a:r>
-              <a:rPr lang="en" sz="2800" b="1" i="0" u="none" strike="noStrike" cap="none">
-                <a:solidFill>
-                  <a:schemeClr val="dk2"/>
-                </a:solidFill>
-                <a:latin typeface="Maven Pro"/>
-                <a:ea typeface="Maven Pro"/>
-                <a:cs typeface="Maven Pro"/>
-                <a:sym typeface="Maven Pro"/>
-              </a:rPr>
-              <a:t>Further Learning: Resources</a:t>
-            </a:r>
-            <a:endParaRPr sz="2800" b="1" i="0" u="none" strike="noStrike" cap="none">
-              <a:solidFill>
-                <a:schemeClr val="dk2"/>
-              </a:solidFill>
-              <a:latin typeface="Maven Pro"/>
-              <a:ea typeface="Maven Pro"/>
-              <a:cs typeface="Maven Pro"/>
-              <a:sym typeface="Maven Pro"/>
-            </a:endParaRPr>
-          </a:p>
-        </p:txBody>
-      </p:sp>
-      <p:sp>
-        <p:nvSpPr>
-          <p:cNvPr id="288" name="Google Shape;288;p52"/>
-          <p:cNvSpPr txBox="1">
-            <a:spLocks noGrp="1"/>
-          </p:cNvSpPr>
-          <p:nvPr>
-            <p:ph type="body" idx="1"/>
-          </p:nvPr>
-        </p:nvSpPr>
-        <p:spPr>
-          <a:xfrm>
-            <a:off x="610375" y="1092525"/>
-            <a:ext cx="8031000" cy="3916200"/>
-          </a:xfrm>
-          <a:prstGeom prst="rect">
-            <a:avLst/>
-          </a:prstGeom>
-          <a:noFill/>
-          <a:ln>
-            <a:noFill/>
-          </a:ln>
-        </p:spPr>
-        <p:txBody>
-          <a:bodyPr spcFirstLastPara="1" wrap="square" lIns="91425" tIns="91425" rIns="91425" bIns="91425" anchor="t" anchorCtr="0">
-            <a:noAutofit/>
-          </a:bodyPr>
-          <a:lstStyle/>
-          <a:p>
-            <a:pPr marL="457200" marR="0" lvl="0" indent="-355600" algn="l" rtl="0">
-              <a:lnSpc>
-                <a:spcPct val="115000"/>
-              </a:lnSpc>
-              <a:spcBef>
-                <a:spcPts val="0"/>
-              </a:spcBef>
-              <a:spcAft>
-                <a:spcPts val="0"/>
-              </a:spcAft>
-              <a:buClr>
-                <a:schemeClr val="dk2"/>
-              </a:buClr>
-              <a:buSzPts val="2000"/>
-              <a:buFont typeface="Nunito"/>
-              <a:buChar char="●"/>
-            </a:pPr>
-            <a:r>
-              <a:rPr lang="en" sz="2000" b="0" i="0" u="none" strike="noStrike" cap="none">
-                <a:solidFill>
-                  <a:schemeClr val="dk2"/>
-                </a:solidFill>
-                <a:latin typeface="Nunito"/>
-                <a:ea typeface="Nunito"/>
-                <a:cs typeface="Nunito"/>
-                <a:sym typeface="Nunito"/>
-              </a:rPr>
-              <a:t>Learning Resources:</a:t>
-            </a:r>
-            <a:endParaRPr sz="2000" b="0" i="0" u="none" strike="noStrike" cap="none">
-              <a:solidFill>
-                <a:schemeClr val="dk2"/>
-              </a:solidFill>
-              <a:latin typeface="Nunito"/>
-              <a:ea typeface="Nunito"/>
-              <a:cs typeface="Nunito"/>
-              <a:sym typeface="Nunito"/>
-            </a:endParaRPr>
-          </a:p>
-          <a:p>
-            <a:pPr marL="914400" marR="0" lvl="1" indent="-355600" algn="l" rtl="0">
-              <a:lnSpc>
-                <a:spcPct val="115000"/>
-              </a:lnSpc>
-              <a:spcBef>
-                <a:spcPts val="0"/>
-              </a:spcBef>
-              <a:spcAft>
-                <a:spcPts val="0"/>
-              </a:spcAft>
-              <a:buClr>
-                <a:schemeClr val="dk2"/>
-              </a:buClr>
-              <a:buSzPts val="2000"/>
-              <a:buFont typeface="Nunito"/>
-              <a:buChar char="○"/>
-            </a:pPr>
-            <a:r>
-              <a:rPr lang="en" sz="2000" b="0" i="0" u="none" strike="noStrike" cap="none">
-                <a:solidFill>
-                  <a:schemeClr val="dk2"/>
-                </a:solidFill>
-                <a:latin typeface="Nunito"/>
-                <a:ea typeface="Nunito"/>
-                <a:cs typeface="Nunito"/>
-                <a:sym typeface="Nunito"/>
-              </a:rPr>
-              <a:t>Tableau.com/learn</a:t>
-            </a:r>
-            <a:endParaRPr sz="2000" b="0" i="0" u="none" strike="noStrike" cap="none">
-              <a:solidFill>
-                <a:schemeClr val="dk2"/>
-              </a:solidFill>
-              <a:latin typeface="Nunito"/>
-              <a:ea typeface="Nunito"/>
-              <a:cs typeface="Nunito"/>
-              <a:sym typeface="Nunito"/>
-            </a:endParaRPr>
-          </a:p>
-          <a:p>
-            <a:pPr marL="914400" marR="0" lvl="1" indent="-355600" algn="l" rtl="0">
-              <a:lnSpc>
-                <a:spcPct val="115000"/>
-              </a:lnSpc>
-              <a:spcBef>
-                <a:spcPts val="0"/>
-              </a:spcBef>
-              <a:spcAft>
-                <a:spcPts val="0"/>
-              </a:spcAft>
-              <a:buClr>
-                <a:schemeClr val="dk2"/>
-              </a:buClr>
-              <a:buSzPts val="2000"/>
-              <a:buFont typeface="Nunito"/>
-              <a:buChar char="○"/>
-            </a:pPr>
-            <a:r>
-              <a:rPr lang="en" sz="2000" b="0" i="0" u="none" strike="noStrike" cap="none">
-                <a:solidFill>
-                  <a:schemeClr val="dk2"/>
-                </a:solidFill>
-                <a:latin typeface="Nunito"/>
-                <a:ea typeface="Nunito"/>
-                <a:cs typeface="Nunito"/>
-                <a:sym typeface="Nunito"/>
-              </a:rPr>
-              <a:t>Explore Tableau Public</a:t>
-            </a:r>
-            <a:endParaRPr sz="2000" b="0" i="0" u="none" strike="noStrike" cap="none">
-              <a:solidFill>
-                <a:schemeClr val="dk2"/>
-              </a:solidFill>
-              <a:latin typeface="Nunito"/>
-              <a:ea typeface="Nunito"/>
-              <a:cs typeface="Nunito"/>
-              <a:sym typeface="Nunito"/>
-            </a:endParaRPr>
-          </a:p>
-          <a:p>
-            <a:pPr marL="914400" marR="0" lvl="1" indent="-355600" algn="l" rtl="0">
-              <a:lnSpc>
-                <a:spcPct val="115000"/>
-              </a:lnSpc>
-              <a:spcBef>
-                <a:spcPts val="0"/>
-              </a:spcBef>
-              <a:spcAft>
-                <a:spcPts val="0"/>
-              </a:spcAft>
-              <a:buClr>
-                <a:schemeClr val="dk2"/>
-              </a:buClr>
-              <a:buSzPts val="2000"/>
-              <a:buFont typeface="Nunito"/>
-              <a:buChar char="○"/>
-            </a:pPr>
-            <a:r>
-              <a:rPr lang="en" sz="2000" b="0" i="0" u="none" strike="noStrike" cap="none">
-                <a:solidFill>
-                  <a:schemeClr val="dk2"/>
-                </a:solidFill>
-                <a:latin typeface="Nunito"/>
-                <a:ea typeface="Nunito"/>
-                <a:cs typeface="Nunito"/>
-                <a:sym typeface="Nunito"/>
-              </a:rPr>
-              <a:t>Tutorialspoint</a:t>
-            </a:r>
-            <a:endParaRPr sz="2000" b="0" i="0" u="none" strike="noStrike" cap="none">
-              <a:solidFill>
-                <a:schemeClr val="dk2"/>
-              </a:solidFill>
-              <a:latin typeface="Nunito"/>
-              <a:ea typeface="Nunito"/>
-              <a:cs typeface="Nunito"/>
-              <a:sym typeface="Nunito"/>
-            </a:endParaRPr>
-          </a:p>
-          <a:p>
-            <a:pPr marL="914400" marR="0" lvl="1" indent="-355600" algn="l" rtl="0">
-              <a:lnSpc>
-                <a:spcPct val="115000"/>
-              </a:lnSpc>
-              <a:spcBef>
-                <a:spcPts val="0"/>
-              </a:spcBef>
-              <a:spcAft>
-                <a:spcPts val="0"/>
-              </a:spcAft>
-              <a:buClr>
-                <a:schemeClr val="dk2"/>
-              </a:buClr>
-              <a:buSzPts val="2000"/>
-              <a:buFont typeface="Nunito"/>
-              <a:buChar char="○"/>
-            </a:pPr>
-            <a:r>
-              <a:rPr lang="en" sz="2000" b="0" i="0" u="none" strike="noStrike" cap="none">
-                <a:solidFill>
-                  <a:schemeClr val="dk2"/>
-                </a:solidFill>
-                <a:latin typeface="Nunito"/>
-                <a:ea typeface="Nunito"/>
-                <a:cs typeface="Nunito"/>
-                <a:sym typeface="Nunito"/>
-              </a:rPr>
-              <a:t>YouTube / Blog Posts</a:t>
-            </a:r>
-            <a:endParaRPr sz="2000" b="0" i="0" u="none" strike="noStrike" cap="none">
-              <a:solidFill>
-                <a:schemeClr val="dk2"/>
-              </a:solidFill>
-              <a:latin typeface="Nunito"/>
-              <a:ea typeface="Nunito"/>
-              <a:cs typeface="Nunito"/>
-              <a:sym typeface="Nunito"/>
-            </a:endParaRPr>
-          </a:p>
-          <a:p>
-            <a:pPr marL="457200" marR="0" lvl="0" indent="-355600" algn="l" rtl="0">
-              <a:lnSpc>
-                <a:spcPct val="115000"/>
-              </a:lnSpc>
-              <a:spcBef>
-                <a:spcPts val="0"/>
-              </a:spcBef>
-              <a:spcAft>
-                <a:spcPts val="0"/>
-              </a:spcAft>
-              <a:buClr>
-                <a:schemeClr val="dk2"/>
-              </a:buClr>
-              <a:buSzPts val="2000"/>
-              <a:buFont typeface="Nunito"/>
-              <a:buChar char="●"/>
-            </a:pPr>
-            <a:r>
-              <a:rPr lang="en" sz="2000" b="0" i="0" u="none" strike="noStrike" cap="none">
-                <a:solidFill>
-                  <a:schemeClr val="dk2"/>
-                </a:solidFill>
-                <a:latin typeface="Nunito"/>
-                <a:ea typeface="Nunito"/>
-                <a:cs typeface="Nunito"/>
-                <a:sym typeface="Nunito"/>
-              </a:rPr>
-              <a:t>Data Sources:</a:t>
-            </a:r>
-            <a:endParaRPr sz="2000" b="0" i="0" u="none" strike="noStrike" cap="none">
-              <a:solidFill>
-                <a:schemeClr val="dk2"/>
-              </a:solidFill>
-              <a:latin typeface="Nunito"/>
-              <a:ea typeface="Nunito"/>
-              <a:cs typeface="Nunito"/>
-              <a:sym typeface="Nunito"/>
-            </a:endParaRPr>
-          </a:p>
-          <a:p>
-            <a:pPr marL="914400" marR="0" lvl="1" indent="-355600" algn="l" rtl="0">
-              <a:lnSpc>
-                <a:spcPct val="115000"/>
-              </a:lnSpc>
-              <a:spcBef>
-                <a:spcPts val="0"/>
-              </a:spcBef>
-              <a:spcAft>
-                <a:spcPts val="0"/>
-              </a:spcAft>
-              <a:buClr>
-                <a:schemeClr val="dk2"/>
-              </a:buClr>
-              <a:buSzPts val="2000"/>
-              <a:buFont typeface="Nunito"/>
-              <a:buChar char="○"/>
-            </a:pPr>
-            <a:r>
-              <a:rPr lang="en" sz="2000" b="0" i="0" u="none" strike="noStrike" cap="none">
-                <a:solidFill>
-                  <a:schemeClr val="dk2"/>
-                </a:solidFill>
-                <a:latin typeface="Nunito"/>
-                <a:ea typeface="Nunito"/>
-                <a:cs typeface="Nunito"/>
-                <a:sym typeface="Nunito"/>
-              </a:rPr>
-              <a:t>Kaggle</a:t>
-            </a:r>
-            <a:endParaRPr sz="2000" b="0" i="0" u="none" strike="noStrike" cap="none">
-              <a:solidFill>
-                <a:schemeClr val="dk2"/>
-              </a:solidFill>
-              <a:latin typeface="Nunito"/>
-              <a:ea typeface="Nunito"/>
-              <a:cs typeface="Nunito"/>
-              <a:sym typeface="Nunito"/>
-            </a:endParaRPr>
-          </a:p>
-          <a:p>
-            <a:pPr marL="914400" marR="0" lvl="1" indent="-355600" algn="l" rtl="0">
-              <a:lnSpc>
-                <a:spcPct val="115000"/>
-              </a:lnSpc>
-              <a:spcBef>
-                <a:spcPts val="0"/>
-              </a:spcBef>
-              <a:spcAft>
-                <a:spcPts val="0"/>
-              </a:spcAft>
-              <a:buClr>
-                <a:schemeClr val="dk2"/>
-              </a:buClr>
-              <a:buSzPts val="2000"/>
-              <a:buFont typeface="Nunito"/>
-              <a:buChar char="○"/>
-            </a:pPr>
-            <a:r>
-              <a:rPr lang="en" sz="2000" b="0" i="0" u="none" strike="noStrike" cap="none">
-                <a:solidFill>
-                  <a:schemeClr val="dk2"/>
-                </a:solidFill>
-                <a:latin typeface="Nunito"/>
-                <a:ea typeface="Nunito"/>
-                <a:cs typeface="Nunito"/>
-                <a:sym typeface="Nunito"/>
-              </a:rPr>
-              <a:t>Data.gov</a:t>
-            </a:r>
-            <a:endParaRPr sz="2000">
-              <a:latin typeface="Nunito"/>
-              <a:ea typeface="Nunito"/>
-              <a:cs typeface="Nunito"/>
-              <a:sym typeface="Nunito"/>
-            </a:endParaRPr>
-          </a:p>
-          <a:p>
-            <a:pPr marL="914400" marR="0" lvl="1" indent="-355600" algn="l" rtl="0">
-              <a:lnSpc>
-                <a:spcPct val="115000"/>
-              </a:lnSpc>
-              <a:spcBef>
-                <a:spcPts val="0"/>
-              </a:spcBef>
-              <a:spcAft>
-                <a:spcPts val="0"/>
-              </a:spcAft>
-              <a:buClr>
-                <a:schemeClr val="dk2"/>
-              </a:buClr>
-              <a:buSzPts val="2000"/>
-              <a:buFont typeface="Nunito"/>
-              <a:buChar char="○"/>
-            </a:pPr>
-            <a:r>
-              <a:rPr lang="en" sz="2000" b="0" i="0" u="none" strike="noStrike" cap="none">
-                <a:solidFill>
-                  <a:schemeClr val="dk2"/>
-                </a:solidFill>
-                <a:latin typeface="Nunito"/>
-                <a:ea typeface="Nunito"/>
-                <a:cs typeface="Nunito"/>
-                <a:sym typeface="Nunito"/>
-              </a:rPr>
-              <a:t>Data.world</a:t>
-            </a:r>
-            <a:endParaRPr sz="2000" b="0" i="0" u="none" strike="noStrike" cap="none">
-              <a:solidFill>
-                <a:schemeClr val="dk2"/>
-              </a:solidFill>
-              <a:latin typeface="Nunito"/>
-              <a:ea typeface="Nunito"/>
-              <a:cs typeface="Nunito"/>
-              <a:sym typeface="Nunito"/>
-            </a:endParaRPr>
-          </a:p>
-          <a:p>
-            <a:pPr marL="914400" lvl="1" indent="-355600" algn="l" rtl="0">
-              <a:spcBef>
-                <a:spcPts val="0"/>
-              </a:spcBef>
-              <a:spcAft>
-                <a:spcPts val="0"/>
-              </a:spcAft>
-              <a:buClr>
-                <a:schemeClr val="dk2"/>
-              </a:buClr>
-              <a:buSzPts val="2000"/>
-              <a:buFont typeface="Nunito"/>
-              <a:buChar char="○"/>
-            </a:pPr>
-            <a:r>
-              <a:rPr lang="en" sz="2000">
-                <a:latin typeface="Nunito"/>
-                <a:ea typeface="Nunito"/>
-                <a:cs typeface="Nunito"/>
-                <a:sym typeface="Nunito"/>
-              </a:rPr>
-              <a:t>Los Angeles Open Data (</a:t>
-            </a:r>
-            <a:r>
-              <a:rPr lang="en" sz="2000" u="sng">
-                <a:solidFill>
-                  <a:schemeClr val="hlink"/>
-                </a:solidFill>
-                <a:latin typeface="Nunito"/>
-                <a:ea typeface="Nunito"/>
-                <a:cs typeface="Nunito"/>
-                <a:sym typeface="Nunito"/>
-                <a:hlinkClick r:id="rId3"/>
-              </a:rPr>
-              <a:t>https://data.lacity.org</a:t>
-            </a:r>
-            <a:r>
-              <a:rPr lang="en" sz="2000">
-                <a:latin typeface="Nunito"/>
-                <a:ea typeface="Nunito"/>
-                <a:cs typeface="Nunito"/>
-                <a:sym typeface="Nunito"/>
-              </a:rPr>
-              <a:t> )</a:t>
-            </a:r>
-            <a:endParaRPr sz="2000">
-              <a:latin typeface="Nunito"/>
-              <a:ea typeface="Nunito"/>
-              <a:cs typeface="Nunito"/>
-              <a:sym typeface="Nunito"/>
-            </a:endParaRPr>
-          </a:p>
-          <a:p>
-            <a:pPr marL="914400" marR="0" lvl="1" indent="-355600" algn="l" rtl="0">
-              <a:lnSpc>
-                <a:spcPct val="115000"/>
-              </a:lnSpc>
-              <a:spcBef>
-                <a:spcPts val="0"/>
-              </a:spcBef>
-              <a:spcAft>
-                <a:spcPts val="0"/>
-              </a:spcAft>
-              <a:buClr>
-                <a:schemeClr val="dk2"/>
-              </a:buClr>
-              <a:buSzPts val="2000"/>
-              <a:buFont typeface="Nunito"/>
-              <a:buChar char="○"/>
-            </a:pPr>
-            <a:r>
-              <a:rPr lang="en" sz="2000" b="0" i="0" u="none" strike="noStrike" cap="none">
-                <a:solidFill>
-                  <a:schemeClr val="dk2"/>
-                </a:solidFill>
-                <a:latin typeface="Nunito"/>
-                <a:ea typeface="Nunito"/>
-                <a:cs typeface="Nunito"/>
-                <a:sym typeface="Nunito"/>
-              </a:rPr>
-              <a:t>UCI Machine Learning Repository</a:t>
-            </a:r>
-            <a:endParaRPr sz="2000" b="0" i="0" u="none" strike="noStrike" cap="none">
-              <a:solidFill>
-                <a:schemeClr val="dk2"/>
-              </a:solidFill>
-              <a:latin typeface="Nunito"/>
-              <a:ea typeface="Nunito"/>
-              <a:cs typeface="Nunito"/>
-              <a:sym typeface="Nunito"/>
-            </a:endParaRPr>
-          </a:p>
-        </p:txBody>
-      </p:sp>
-    </p:spTree>
-  </p:cSld>
-  <p:clrMapOvr>
-    <a:masterClrMapping/>
-  </p:clrMapOvr>
-</p:sld>
-</file>
-
-<file path=ppt/slides/slide51.xml><?xml version="1.0" encoding="utf-8"?>
 <p:sld xmlns:a="http://schemas.openxmlformats.org/drawingml/2006/main" xmlns:r="http://schemas.openxmlformats.org/officeDocument/2006/relationships" xmlns:p="http://schemas.openxmlformats.org/presentationml/2006/main">
   <p:cSld>
     <p:spTree>
